--- a/innovativ/pomo.pptx
+++ b/innovativ/pomo.pptx
@@ -109,6 +109,11 @@
       </a:defRPr>
     </a:lvl9pPr>
   </p:defaultTextStyle>
+  <p:extLst>
+    <p:ext uri="{EFAFB233-063F-42B5-8137-9DF3F51BA10A}">
+      <p15:sldGuideLst xmlns:p15="http://schemas.microsoft.com/office/powerpoint/2012/main"/>
+    </p:ext>
+  </p:extLst>
 </p:presentation>
 </file>
 
@@ -6681,12 +6686,16 @@
               <a:t>Pomo</a:t>
             </a:r>
             <a:r>
+              <a:rPr lang="hu-HU"/>
+              <a:t> </a:t>
+            </a:r>
+            <a:r>
               <a:rPr lang="hu-HU" dirty="0"/>
-              <a:t> </a:t>
-            </a:r>
-            <a:r>
-              <a:rPr lang="hu-HU" dirty="0" err="1"/>
-              <a:t>utja</a:t>
+              <a:t>ú</a:t>
+            </a:r>
+            <a:r>
+              <a:rPr lang="hu-HU"/>
+              <a:t>tja</a:t>
             </a:r>
             <a:endParaRPr lang="hu-HU" dirty="0"/>
           </a:p>
